--- a/수업자료/10_객체지향의 개요.pptx
+++ b/수업자료/10_객체지향의 개요.pptx
@@ -4967,7 +4967,7 @@
         <p:spPr>
           <a:xfrm>
             <a:off x="848296" y="1203200"/>
-            <a:ext cx="7812360" cy="713631"/>
+            <a:ext cx="7812360" cy="973943"/>
           </a:xfrm>
           <a:prstGeom prst="flowChartProcess">
             <a:avLst/>
@@ -5022,7 +5022,55 @@
                   <a:schemeClr val="tx1"/>
                 </a:solidFill>
               </a:rPr>
-              <a:t>05</a:t>
+              <a:t>07</a:t>
+            </a:r>
+            <a:r>
+              <a:rPr lang="ko-KR" altLang="en-US" b="1" dirty="0" err="1" smtClean="0">
+                <a:solidFill>
+                  <a:schemeClr val="tx1"/>
+                </a:solidFill>
+              </a:rPr>
+              <a:t>차시</a:t>
+            </a:r>
+            <a:r>
+              <a:rPr lang="en-US" altLang="ko-KR" b="1" dirty="0" smtClean="0">
+                <a:solidFill>
+                  <a:schemeClr val="tx1"/>
+                </a:solidFill>
+              </a:rPr>
+              <a:t>_2 </a:t>
+            </a:r>
+            <a:r>
+              <a:rPr lang="ko-KR" altLang="en-US" b="1" dirty="0" smtClean="0">
+                <a:solidFill>
+                  <a:schemeClr val="tx1"/>
+                </a:solidFill>
+              </a:rPr>
+              <a:t>패키지를 만들고</a:t>
+            </a:r>
+            <a:r>
+              <a:rPr lang="en-US" altLang="ko-KR" b="1" dirty="0" smtClean="0">
+                <a:solidFill>
+                  <a:schemeClr val="tx1"/>
+                </a:solidFill>
+              </a:rPr>
+              <a:t>, </a:t>
+            </a:r>
+            <a:r>
+              <a:rPr lang="ko-KR" altLang="en-US" b="1" dirty="0" smtClean="0">
+                <a:solidFill>
+                  <a:schemeClr val="tx1"/>
+                </a:solidFill>
+              </a:rPr>
+              <a:t>제</a:t>
+            </a:r>
+            <a:r>
+              <a:rPr lang="en-US" altLang="ko-KR" b="1" dirty="0" smtClean="0">
+                <a:solidFill>
+                  <a:schemeClr val="tx1"/>
+                </a:solidFill>
+              </a:rPr>
+              <a:t>07</a:t>
             </a:r>
             <a:r>
               <a:rPr lang="ko-KR" altLang="en-US" b="1" dirty="0" err="1" smtClean="0">
@@ -5115,8 +5163,8 @@
         </p:nvSpPr>
         <p:spPr>
           <a:xfrm>
-            <a:off x="683568" y="2386567"/>
-            <a:ext cx="7920880" cy="3778737"/>
+            <a:off x="683568" y="2602592"/>
+            <a:ext cx="7920880" cy="3638552"/>
           </a:xfrm>
           <a:prstGeom prst="flowChartProcess">
             <a:avLst/>
@@ -5158,7 +5206,7 @@
         </p:nvSpPr>
         <p:spPr>
           <a:xfrm>
-            <a:off x="755576" y="2060848"/>
+            <a:off x="755576" y="2276872"/>
             <a:ext cx="2736304" cy="336244"/>
           </a:xfrm>
           <a:prstGeom prst="flowChartProcess">
@@ -6195,11 +6243,6 @@
               </a:rPr>
               <a:t>.</a:t>
             </a:r>
-            <a:endParaRPr lang="en-US" altLang="ko-KR" sz="1200" b="1" dirty="0" smtClean="0">
-              <a:solidFill>
-                <a:schemeClr val="tx1"/>
-              </a:solidFill>
-            </a:endParaRPr>
           </a:p>
           <a:p>
             <a:pPr>
@@ -6247,11 +6290,6 @@
               </a:rPr>
               <a:t>.</a:t>
             </a:r>
-            <a:endParaRPr lang="en-US" altLang="ko-KR" sz="1200" b="1" dirty="0" smtClean="0">
-              <a:solidFill>
-                <a:schemeClr val="tx1"/>
-              </a:solidFill>
-            </a:endParaRPr>
           </a:p>
           <a:p>
             <a:pPr>
@@ -6273,15 +6311,7 @@
                   <a:schemeClr val="tx1"/>
                 </a:solidFill>
               </a:rPr>
-              <a:t> </a:t>
-            </a:r>
-            <a:r>
-              <a:rPr lang="ko-KR" altLang="en-US" sz="1200" b="1" dirty="0" smtClean="0">
-                <a:solidFill>
-                  <a:schemeClr val="tx1"/>
-                </a:solidFill>
-              </a:rPr>
-              <a:t>생성된 객체의 멤버에 접근하려면 도트</a:t>
+              <a:t> 생성된 객체의 멤버에 접근하려면 도트</a:t>
             </a:r>
             <a:r>
               <a:rPr lang="en-US" altLang="ko-KR" sz="1200" b="1" dirty="0" smtClean="0">
@@ -6421,15 +6451,7 @@
                   <a:schemeClr val="tx1"/>
                 </a:solidFill>
               </a:rPr>
-              <a:t>객체 생성 </a:t>
-            </a:r>
-            <a:r>
-              <a:rPr lang="ko-KR" altLang="en-US" b="1" dirty="0" smtClean="0">
-                <a:solidFill>
-                  <a:schemeClr val="tx1"/>
-                </a:solidFill>
-              </a:rPr>
-              <a:t>실습</a:t>
+              <a:t>객체 생성 실습</a:t>
             </a:r>
             <a:endParaRPr lang="ko-KR" altLang="en-US" b="1" dirty="0">
               <a:solidFill>
@@ -6448,7 +6470,7 @@
           <p:nvPr>
             <p:extLst>
               <p:ext uri="{D42A27DB-BD31-4B8C-83A1-F6EECF244321}">
-                <p14:modId xmlns:p14="http://schemas.microsoft.com/office/powerpoint/2010/main" val="976566775"/>
+                <p14:modId xmlns:p14="http://schemas.microsoft.com/office/powerpoint/2010/main" val="891356984"/>
               </p:ext>
             </p:extLst>
           </p:nvPr>
@@ -6516,14 +6538,6 @@
                         <a:defRPr/>
                       </a:pPr>
                       <a:r>
-                        <a:rPr lang="en-US" altLang="ko-KR" sz="1600" b="1" dirty="0" smtClean="0">
-                          <a:solidFill>
-                            <a:schemeClr val="tx1"/>
-                          </a:solidFill>
-                        </a:rPr>
-                        <a:t>“</a:t>
-                      </a:r>
-                      <a:r>
                         <a:rPr lang="ko-KR" altLang="en-US" sz="1600" b="1" dirty="0" smtClean="0">
                           <a:solidFill>
                             <a:schemeClr val="tx1"/>
@@ -6531,14 +6545,11 @@
                         </a:rPr>
                         <a:t>자바기초실습</a:t>
                       </a:r>
-                      <a:r>
-                        <a:rPr lang="en-US" altLang="ko-KR" sz="1600" b="1" dirty="0" smtClean="0">
-                          <a:solidFill>
-                            <a:schemeClr val="tx1"/>
-                          </a:solidFill>
-                        </a:rPr>
-                        <a:t>”</a:t>
-                      </a:r>
+                      <a:endParaRPr lang="en-US" altLang="ko-KR" sz="1600" b="1" dirty="0" smtClean="0">
+                        <a:solidFill>
+                          <a:schemeClr val="tx1"/>
+                        </a:solidFill>
+                      </a:endParaRPr>
                     </a:p>
                   </a:txBody>
                   <a:tcPr/>
@@ -6593,14 +6604,6 @@
                         <a:defRPr/>
                       </a:pPr>
                       <a:r>
-                        <a:rPr lang="en-US" altLang="ko-KR" sz="1600" b="1" dirty="0" smtClean="0">
-                          <a:solidFill>
-                            <a:schemeClr val="tx1"/>
-                          </a:solidFill>
-                        </a:rPr>
-                        <a:t>“</a:t>
-                      </a:r>
-                      <a:r>
                         <a:rPr lang="ko-KR" altLang="en-US" sz="1600" b="1" dirty="0" smtClean="0">
                           <a:solidFill>
                             <a:schemeClr val="tx1"/>
@@ -6614,7 +6617,7 @@
                             <a:schemeClr val="tx1"/>
                           </a:solidFill>
                         </a:rPr>
-                        <a:t>05</a:t>
+                        <a:t>08</a:t>
                       </a:r>
                       <a:r>
                         <a:rPr lang="ko-KR" altLang="en-US" sz="1600" b="1" dirty="0" err="1" smtClean="0">
@@ -6623,14 +6626,6 @@
                           </a:solidFill>
                         </a:rPr>
                         <a:t>차시</a:t>
-                      </a:r>
-                      <a:r>
-                        <a:rPr lang="en-US" altLang="ko-KR" sz="1600" b="1" dirty="0" smtClean="0">
-                          <a:solidFill>
-                            <a:schemeClr val="tx1"/>
-                          </a:solidFill>
-                        </a:rPr>
-                        <a:t>_2”</a:t>
                       </a:r>
                       <a:endParaRPr lang="en-US" altLang="ko-KR" sz="1600" b="1" dirty="0" smtClean="0">
                         <a:solidFill>
@@ -6696,23 +6691,7 @@
                             <a:schemeClr val="tx1"/>
                           </a:solidFill>
                         </a:rPr>
-                        <a:t>ClassExam.java</a:t>
-                      </a:r>
-                      <a:r>
-                        <a:rPr lang="en-US" altLang="ko-KR" sz="1600" b="1" dirty="0" smtClean="0">
-                          <a:solidFill>
-                            <a:schemeClr val="tx1"/>
-                          </a:solidFill>
-                        </a:rPr>
-                        <a:t>, </a:t>
-                      </a:r>
-                      <a:r>
-                        <a:rPr lang="en-US" altLang="ko-KR" sz="1600" b="1" dirty="0" smtClean="0">
-                          <a:solidFill>
-                            <a:schemeClr val="tx1"/>
-                          </a:solidFill>
-                        </a:rPr>
-                        <a:t>Student.java</a:t>
+                        <a:t>ClassExam.java, Student.java</a:t>
                       </a:r>
                       <a:endParaRPr lang="ko-KR" altLang="en-US" sz="1600" b="1" dirty="0" smtClean="0">
                         <a:solidFill>
@@ -6791,17 +6770,7 @@
                 <a:latin typeface="HY견고딕" panose="02030600000101010101" pitchFamily="18" charset="-127"/>
                 <a:ea typeface="HY견고딕" panose="02030600000101010101" pitchFamily="18" charset="-127"/>
               </a:rPr>
-              <a:t>쪽 </a:t>
-            </a:r>
-            <a:r>
-              <a:rPr lang="ko-KR" altLang="en-US" dirty="0" smtClean="0">
-                <a:solidFill>
-                  <a:schemeClr val="tx1"/>
-                </a:solidFill>
-                <a:latin typeface="HY견고딕" panose="02030600000101010101" pitchFamily="18" charset="-127"/>
-                <a:ea typeface="HY견고딕" panose="02030600000101010101" pitchFamily="18" charset="-127"/>
-              </a:rPr>
-              <a:t>예제</a:t>
+              <a:t>쪽 예제</a:t>
             </a:r>
             <a:r>
               <a:rPr lang="en-US" altLang="ko-KR" dirty="0" smtClean="0">
@@ -7181,11 +7150,6 @@
               </a:rPr>
               <a:t>.</a:t>
             </a:r>
-            <a:endParaRPr lang="en-US" altLang="ko-KR" sz="1400" b="1" dirty="0" smtClean="0">
-              <a:solidFill>
-                <a:schemeClr val="tx1"/>
-              </a:solidFill>
-            </a:endParaRPr>
           </a:p>
           <a:p>
             <a:pPr>
@@ -7233,11 +7197,6 @@
               </a:rPr>
               <a:t>.</a:t>
             </a:r>
-            <a:endParaRPr lang="en-US" altLang="ko-KR" sz="1400" b="1" dirty="0" smtClean="0">
-              <a:solidFill>
-                <a:schemeClr val="tx1"/>
-              </a:solidFill>
-            </a:endParaRPr>
           </a:p>
           <a:p>
             <a:pPr>
@@ -7550,15 +7509,7 @@
                   <a:schemeClr val="tx1"/>
                 </a:solidFill>
               </a:rPr>
-              <a:t>멤버 변수 </a:t>
-            </a:r>
-            <a:r>
-              <a:rPr lang="ko-KR" altLang="en-US" b="1" dirty="0" smtClean="0">
-                <a:solidFill>
-                  <a:schemeClr val="tx1"/>
-                </a:solidFill>
-              </a:rPr>
-              <a:t>실습</a:t>
+              <a:t>멤버 변수 실습</a:t>
             </a:r>
             <a:endParaRPr lang="ko-KR" altLang="en-US" b="1" dirty="0">
               <a:solidFill>
@@ -7577,7 +7528,7 @@
           <p:nvPr>
             <p:extLst>
               <p:ext uri="{D42A27DB-BD31-4B8C-83A1-F6EECF244321}">
-                <p14:modId xmlns:p14="http://schemas.microsoft.com/office/powerpoint/2010/main" val="2888194736"/>
+                <p14:modId xmlns:p14="http://schemas.microsoft.com/office/powerpoint/2010/main" val="2648334801"/>
               </p:ext>
             </p:extLst>
           </p:nvPr>
@@ -7645,14 +7596,6 @@
                         <a:defRPr/>
                       </a:pPr>
                       <a:r>
-                        <a:rPr lang="en-US" altLang="ko-KR" sz="1600" b="1" dirty="0" smtClean="0">
-                          <a:solidFill>
-                            <a:schemeClr val="tx1"/>
-                          </a:solidFill>
-                        </a:rPr>
-                        <a:t>“</a:t>
-                      </a:r>
-                      <a:r>
                         <a:rPr lang="ko-KR" altLang="en-US" sz="1600" b="1" dirty="0" smtClean="0">
                           <a:solidFill>
                             <a:schemeClr val="tx1"/>
@@ -7660,14 +7603,11 @@
                         </a:rPr>
                         <a:t>자바기초실습</a:t>
                       </a:r>
-                      <a:r>
-                        <a:rPr lang="en-US" altLang="ko-KR" sz="1600" b="1" dirty="0" smtClean="0">
-                          <a:solidFill>
-                            <a:schemeClr val="tx1"/>
-                          </a:solidFill>
-                        </a:rPr>
-                        <a:t>”</a:t>
-                      </a:r>
+                      <a:endParaRPr lang="en-US" altLang="ko-KR" sz="1600" b="1" dirty="0" smtClean="0">
+                        <a:solidFill>
+                          <a:schemeClr val="tx1"/>
+                        </a:solidFill>
+                      </a:endParaRPr>
                     </a:p>
                   </a:txBody>
                   <a:tcPr/>
@@ -7722,14 +7662,6 @@
                         <a:defRPr/>
                       </a:pPr>
                       <a:r>
-                        <a:rPr lang="en-US" altLang="ko-KR" sz="1600" b="1" dirty="0" smtClean="0">
-                          <a:solidFill>
-                            <a:schemeClr val="tx1"/>
-                          </a:solidFill>
-                        </a:rPr>
-                        <a:t>“</a:t>
-                      </a:r>
-                      <a:r>
                         <a:rPr lang="ko-KR" altLang="en-US" sz="1600" b="1" dirty="0" smtClean="0">
                           <a:solidFill>
                             <a:schemeClr val="tx1"/>
@@ -7743,7 +7675,7 @@
                             <a:schemeClr val="tx1"/>
                           </a:solidFill>
                         </a:rPr>
-                        <a:t>05</a:t>
+                        <a:t>09</a:t>
                       </a:r>
                       <a:r>
                         <a:rPr lang="ko-KR" altLang="en-US" sz="1600" b="1" dirty="0" err="1" smtClean="0">
@@ -7752,14 +7684,6 @@
                           </a:solidFill>
                         </a:rPr>
                         <a:t>차시</a:t>
-                      </a:r>
-                      <a:r>
-                        <a:rPr lang="en-US" altLang="ko-KR" sz="1600" b="1" dirty="0" smtClean="0">
-                          <a:solidFill>
-                            <a:schemeClr val="tx1"/>
-                          </a:solidFill>
-                        </a:rPr>
-                        <a:t>_3”</a:t>
                       </a:r>
                       <a:endParaRPr lang="en-US" altLang="ko-KR" sz="1600" b="1" dirty="0" smtClean="0">
                         <a:solidFill>
@@ -7825,23 +7749,7 @@
                             <a:schemeClr val="tx1"/>
                           </a:solidFill>
                         </a:rPr>
-                        <a:t>MemberExam.java</a:t>
-                      </a:r>
-                      <a:r>
-                        <a:rPr lang="en-US" altLang="ko-KR" sz="1600" b="1" dirty="0" smtClean="0">
-                          <a:solidFill>
-                            <a:schemeClr val="tx1"/>
-                          </a:solidFill>
-                        </a:rPr>
-                        <a:t>, </a:t>
-                      </a:r>
-                      <a:r>
-                        <a:rPr lang="en-US" altLang="ko-KR" sz="1600" b="1" dirty="0" smtClean="0">
-                          <a:solidFill>
-                            <a:schemeClr val="tx1"/>
-                          </a:solidFill>
-                        </a:rPr>
-                        <a:t>Student.java</a:t>
+                        <a:t>MemberExam.java, Student.java</a:t>
                       </a:r>
                       <a:endParaRPr lang="ko-KR" altLang="en-US" sz="1600" b="1" dirty="0" smtClean="0">
                         <a:solidFill>
@@ -7920,17 +7828,7 @@
                 <a:latin typeface="HY견고딕" panose="02030600000101010101" pitchFamily="18" charset="-127"/>
                 <a:ea typeface="HY견고딕" panose="02030600000101010101" pitchFamily="18" charset="-127"/>
               </a:rPr>
-              <a:t>쪽 </a:t>
-            </a:r>
-            <a:r>
-              <a:rPr lang="ko-KR" altLang="en-US" dirty="0" smtClean="0">
-                <a:solidFill>
-                  <a:schemeClr val="tx1"/>
-                </a:solidFill>
-                <a:latin typeface="HY견고딕" panose="02030600000101010101" pitchFamily="18" charset="-127"/>
-                <a:ea typeface="HY견고딕" panose="02030600000101010101" pitchFamily="18" charset="-127"/>
-              </a:rPr>
-              <a:t>예제</a:t>
+              <a:t>쪽 예제</a:t>
             </a:r>
             <a:r>
               <a:rPr lang="en-US" altLang="ko-KR" dirty="0" smtClean="0">
@@ -14573,7 +14471,7 @@
           <p:nvPr>
             <p:extLst>
               <p:ext uri="{D42A27DB-BD31-4B8C-83A1-F6EECF244321}">
-                <p14:modId xmlns:p14="http://schemas.microsoft.com/office/powerpoint/2010/main" val="805811266"/>
+                <p14:modId xmlns:p14="http://schemas.microsoft.com/office/powerpoint/2010/main" val="2144583167"/>
               </p:ext>
             </p:extLst>
           </p:nvPr>
@@ -14641,14 +14539,6 @@
                         <a:defRPr/>
                       </a:pPr>
                       <a:r>
-                        <a:rPr lang="en-US" altLang="ko-KR" sz="1600" b="1" dirty="0" smtClean="0">
-                          <a:solidFill>
-                            <a:schemeClr val="tx1"/>
-                          </a:solidFill>
-                        </a:rPr>
-                        <a:t>“</a:t>
-                      </a:r>
-                      <a:r>
                         <a:rPr lang="ko-KR" altLang="en-US" sz="1600" b="1" dirty="0" smtClean="0">
                           <a:solidFill>
                             <a:schemeClr val="tx1"/>
@@ -14656,14 +14546,11 @@
                         </a:rPr>
                         <a:t>자바기초실습</a:t>
                       </a:r>
-                      <a:r>
-                        <a:rPr lang="en-US" altLang="ko-KR" sz="1600" b="1" dirty="0" smtClean="0">
-                          <a:solidFill>
-                            <a:schemeClr val="tx1"/>
-                          </a:solidFill>
-                        </a:rPr>
-                        <a:t>”</a:t>
-                      </a:r>
+                      <a:endParaRPr lang="en-US" altLang="ko-KR" sz="1600" b="1" dirty="0" smtClean="0">
+                        <a:solidFill>
+                          <a:schemeClr val="tx1"/>
+                        </a:solidFill>
+                      </a:endParaRPr>
                     </a:p>
                   </a:txBody>
                   <a:tcPr/>
@@ -14718,14 +14605,6 @@
                         <a:defRPr/>
                       </a:pPr>
                       <a:r>
-                        <a:rPr lang="en-US" altLang="ko-KR" sz="1600" b="1" dirty="0" smtClean="0">
-                          <a:solidFill>
-                            <a:schemeClr val="tx1"/>
-                          </a:solidFill>
-                        </a:rPr>
-                        <a:t>“</a:t>
-                      </a:r>
-                      <a:r>
                         <a:rPr lang="ko-KR" altLang="en-US" sz="1600" b="1" dirty="0" smtClean="0">
                           <a:solidFill>
                             <a:schemeClr val="tx1"/>
@@ -14739,7 +14618,7 @@
                             <a:schemeClr val="tx1"/>
                           </a:solidFill>
                         </a:rPr>
-                        <a:t>05</a:t>
+                        <a:t>07</a:t>
                       </a:r>
                       <a:r>
                         <a:rPr lang="ko-KR" altLang="en-US" sz="1600" b="1" dirty="0" err="1" smtClean="0">
@@ -14755,8 +14634,13 @@
                             <a:schemeClr val="tx1"/>
                           </a:solidFill>
                         </a:rPr>
-                        <a:t>_1”</a:t>
+                        <a:t>_1</a:t>
                       </a:r>
+                      <a:endParaRPr lang="en-US" altLang="ko-KR" sz="1600" b="1" dirty="0" smtClean="0">
+                        <a:solidFill>
+                          <a:schemeClr val="tx1"/>
+                        </a:solidFill>
+                      </a:endParaRPr>
                     </a:p>
                   </a:txBody>
                   <a:tcPr/>
